--- a/Whiteboard design session/WDS trainer presentation - Azure Synapse Analytics and AI.pptx
+++ b/Whiteboard design session/WDS trainer presentation - Azure Synapse Analytics and AI.pptx
@@ -236,7 +236,7 @@
           <a:p>
             <a:fld id="{52A13B17-C506-4D51-BB37-16B365906619}" type="datetimeFigureOut">
               <a:rPr lang="en-US" smtClean="0"/>
-              <a:t>8/5/2020</a:t>
+              <a:t>4/5/2023</a:t>
             </a:fld>
             <a:endParaRPr lang="en-US" dirty="0"/>
           </a:p>
@@ -7716,7 +7716,7 @@
                   <a:prstClr val="black"/>
                 </a:solidFill>
               </a:rPr>
-              <a:t>8/5/2020 1:43 PM</a:t>
+              <a:t>4/5/2023 9:59 PM</a:t>
             </a:fld>
             <a:endParaRPr lang="en-US" dirty="0">
               <a:solidFill>
@@ -20644,7 +20644,10 @@
           <a:bodyPr/>
           <a:lstStyle/>
           <a:p>
-            <a:endParaRPr lang="en-US" dirty="0"/>
+            <a:r>
+              <a:rPr lang="en-US" dirty="0"/>
+              <a:t>Parveen KR</a:t>
+            </a:r>
           </a:p>
         </p:txBody>
       </p:sp>
@@ -28451,15 +28454,6 @@
 </file>
 
 <file path=customXml/item1.xml><?xml version="1.0" encoding="utf-8"?>
-<p:properties xmlns:p="http://schemas.microsoft.com/office/2006/metadata/properties" xmlns:xsi="http://www.w3.org/2001/XMLSchema-instance" xmlns:pc="http://schemas.microsoft.com/office/infopath/2007/PartnerControls">
-  <documentManagement>
-    <_ip_UnifiedCompliancePolicyUIAction xmlns="http://schemas.microsoft.com/sharepoint/v3" xsi:nil="true"/>
-    <_ip_UnifiedCompliancePolicyProperties xmlns="http://schemas.microsoft.com/sharepoint/v3" xsi:nil="true"/>
-  </documentManagement>
-</p:properties>
-</file>
-
-<file path=customXml/item2.xml><?xml version="1.0" encoding="utf-8"?>
 <ct:contentTypeSchema xmlns:ct="http://schemas.microsoft.com/office/2006/metadata/contentType" xmlns:ma="http://schemas.microsoft.com/office/2006/metadata/properties/metaAttributes" ct:_="" ma:_="" ma:contentTypeName="Document" ma:contentTypeID="0x010100D15DFA3690A15B4081582BBCC6BEAC3E" ma:contentTypeVersion="9" ma:contentTypeDescription="Create a new document." ma:contentTypeScope="" ma:versionID="642da1784587cbe85a7fdbbe4dc36103">
   <xsd:schema xmlns:xsd="http://www.w3.org/2001/XMLSchema" xmlns:xs="http://www.w3.org/2001/XMLSchema" xmlns:p="http://schemas.microsoft.com/office/2006/metadata/properties" xmlns:ns1="http://schemas.microsoft.com/sharepoint/v3" xmlns:ns2="2023ac63-7b75-4916-a9ee-591457758eee" xmlns:ns3="d9c797ad-d7c3-4982-82b7-81352a75e4a5" targetNamespace="http://schemas.microsoft.com/office/2006/metadata/properties" ma:root="true" ma:fieldsID="91198b0246576053cc55dd2c67035a89" ns1:_="" ns2:_="" ns3:_="">
     <xsd:import namespace="http://schemas.microsoft.com/sharepoint/v3"/>
@@ -28661,6 +28655,15 @@
 </ct:contentTypeSchema>
 </file>
 
+<file path=customXml/item2.xml><?xml version="1.0" encoding="utf-8"?>
+<p:properties xmlns:p="http://schemas.microsoft.com/office/2006/metadata/properties" xmlns:xsi="http://www.w3.org/2001/XMLSchema-instance" xmlns:pc="http://schemas.microsoft.com/office/infopath/2007/PartnerControls">
+  <documentManagement>
+    <_ip_UnifiedCompliancePolicyUIAction xmlns="http://schemas.microsoft.com/sharepoint/v3" xsi:nil="true"/>
+    <_ip_UnifiedCompliancePolicyProperties xmlns="http://schemas.microsoft.com/sharepoint/v3" xsi:nil="true"/>
+  </documentManagement>
+</p:properties>
+</file>
+
 <file path=customXml/item3.xml><?xml version="1.0" encoding="utf-8"?>
 <?mso-contentType ?>
 <FormTemplates xmlns="http://schemas.microsoft.com/sharepoint/v3/contenttype/forms">
@@ -28671,24 +28674,6 @@
 </file>
 
 <file path=customXml/itemProps1.xml><?xml version="1.0" encoding="utf-8"?>
-<ds:datastoreItem xmlns:ds="http://schemas.openxmlformats.org/officeDocument/2006/customXml" ds:itemID="{BAF7D529-36AB-45DA-B239-2F912F2D1610}">
-  <ds:schemaRefs>
-    <ds:schemaRef ds:uri="http://schemas.microsoft.com/office/2006/documentManagement/types"/>
-    <ds:schemaRef ds:uri="http://schemas.microsoft.com/office/infopath/2007/PartnerControls"/>
-    <ds:schemaRef ds:uri="2023ac63-7b75-4916-a9ee-591457758eee"/>
-    <ds:schemaRef ds:uri="http://purl.org/dc/elements/1.1/"/>
-    <ds:schemaRef ds:uri="http://schemas.microsoft.com/office/2006/metadata/properties"/>
-    <ds:schemaRef ds:uri="http://schemas.microsoft.com/sharepoint/v3"/>
-    <ds:schemaRef ds:uri="http://purl.org/dc/terms/"/>
-    <ds:schemaRef ds:uri="http://schemas.openxmlformats.org/package/2006/metadata/core-properties"/>
-    <ds:schemaRef ds:uri="d9c797ad-d7c3-4982-82b7-81352a75e4a5"/>
-    <ds:schemaRef ds:uri="http://www.w3.org/XML/1998/namespace"/>
-    <ds:schemaRef ds:uri="http://purl.org/dc/dcmitype/"/>
-  </ds:schemaRefs>
-</ds:datastoreItem>
-</file>
-
-<file path=customXml/itemProps2.xml><?xml version="1.0" encoding="utf-8"?>
 <ds:datastoreItem xmlns:ds="http://schemas.openxmlformats.org/officeDocument/2006/customXml" ds:itemID="{255F5BEB-6AD6-480A-8556-C80C5EBC10F2}">
   <ds:schemaRefs>
     <ds:schemaRef ds:uri="http://schemas.microsoft.com/office/2006/metadata/contentType"/>
@@ -28708,6 +28693,24 @@
 </ds:datastoreItem>
 </file>
 
+<file path=customXml/itemProps2.xml><?xml version="1.0" encoding="utf-8"?>
+<ds:datastoreItem xmlns:ds="http://schemas.openxmlformats.org/officeDocument/2006/customXml" ds:itemID="{BAF7D529-36AB-45DA-B239-2F912F2D1610}">
+  <ds:schemaRefs>
+    <ds:schemaRef ds:uri="http://schemas.microsoft.com/office/2006/documentManagement/types"/>
+    <ds:schemaRef ds:uri="http://schemas.microsoft.com/office/infopath/2007/PartnerControls"/>
+    <ds:schemaRef ds:uri="2023ac63-7b75-4916-a9ee-591457758eee"/>
+    <ds:schemaRef ds:uri="http://purl.org/dc/elements/1.1/"/>
+    <ds:schemaRef ds:uri="http://schemas.microsoft.com/office/2006/metadata/properties"/>
+    <ds:schemaRef ds:uri="http://schemas.microsoft.com/sharepoint/v3"/>
+    <ds:schemaRef ds:uri="http://purl.org/dc/terms/"/>
+    <ds:schemaRef ds:uri="http://schemas.openxmlformats.org/package/2006/metadata/core-properties"/>
+    <ds:schemaRef ds:uri="d9c797ad-d7c3-4982-82b7-81352a75e4a5"/>
+    <ds:schemaRef ds:uri="http://www.w3.org/XML/1998/namespace"/>
+    <ds:schemaRef ds:uri="http://purl.org/dc/dcmitype/"/>
+  </ds:schemaRefs>
+</ds:datastoreItem>
+</file>
+
 <file path=customXml/itemProps3.xml><?xml version="1.0" encoding="utf-8"?>
 <ds:datastoreItem xmlns:ds="http://schemas.openxmlformats.org/officeDocument/2006/customXml" ds:itemID="{F18501AF-04CF-4482-BAE1-607B49DDC378}">
   <ds:schemaRefs>
